--- a/Talleres/Taller Interpolacion mano/Presentacion interpolacion de la mano.pptx
+++ b/Talleres/Taller Interpolacion mano/Presentacion interpolacion de la mano.pptx
@@ -19,6 +19,9 @@
     <p:sldId id="264" r:id="rId13"/>
     <p:sldId id="266" r:id="rId14"/>
     <p:sldId id="270" r:id="rId15"/>
+    <p:sldId id="271" r:id="rId16"/>
+    <p:sldId id="273" r:id="rId17"/>
+    <p:sldId id="272" r:id="rId18"/>
   </p:sldIdLst>
   <p:sldSz cx="12192000" cy="6858000"/>
   <p:notesSz cx="6858000" cy="9144000"/>
@@ -3811,13 +3814,13 @@
               </a:ext>
             </a:extLst>
           </a:blip>
-          <a:srcRect l="10139" t="5661" r="10244" b="13727"/>
+          <a:srcRect l="10139" t="14560" r="10244" b="13727"/>
           <a:stretch/>
         </p:blipFill>
         <p:spPr>
           <a:xfrm>
-            <a:off x="8070574" y="3313044"/>
-            <a:ext cx="3604591" cy="3544956"/>
+            <a:off x="8070574" y="3509964"/>
+            <a:ext cx="3604591" cy="3348036"/>
           </a:xfrm>
           <a:prstGeom prst="rect">
             <a:avLst/>
@@ -4027,14 +4030,11 @@
           </a:p>
           <a:p>
             <a:r>
-              <a:rPr lang="es-CO" sz="2400">
+              <a:rPr lang="es-CO" sz="2400" dirty="0">
                 <a:latin typeface="Calibri Light" panose="020F0302020204030204" pitchFamily="34" charset="0"/>
               </a:rPr>
               <a:t>Jaccard</a:t>
             </a:r>
-            <a:endParaRPr lang="es-CO" sz="2400" dirty="0">
-              <a:latin typeface="Calibri Light" panose="020F0302020204030204" pitchFamily="34" charset="0"/>
-            </a:endParaRPr>
           </a:p>
         </p:txBody>
       </p:sp>
@@ -5152,13 +5152,7 @@
               <a:rPr lang="es-CO" sz="2400" b="1" dirty="0">
                 <a:latin typeface="Calibri Light" panose="020F0302020204030204" pitchFamily="34" charset="0"/>
               </a:rPr>
-              <a:t>solo si se modifica los </a:t>
-            </a:r>
-            <a:r>
-              <a:rPr lang="es-CO" sz="2400" b="1" dirty="0" err="1">
-                <a:latin typeface="Calibri Light" panose="020F0302020204030204" pitchFamily="34" charset="0"/>
-              </a:rPr>
-              <a:t>segementos</a:t>
+              <a:t>solo si se modifica los segmentos</a:t>
             </a:r>
             <a:r>
               <a:rPr lang="es-CO" sz="2400" dirty="0">
@@ -5242,6 +5236,1099 @@
     <p:extLst>
       <p:ext uri="{BB962C8B-B14F-4D97-AF65-F5344CB8AC3E}">
         <p14:creationId xmlns:p14="http://schemas.microsoft.com/office/powerpoint/2010/main" val="2980890699"/>
+      </p:ext>
+    </p:extLst>
+  </p:cSld>
+  <p:clrMapOvr>
+    <a:masterClrMapping/>
+  </p:clrMapOvr>
+  <p:transition spd="slow">
+    <p:fade/>
+  </p:transition>
+</p:sld>
+</file>
+
+<file path=ppt/slides/slide15.xml><?xml version="1.0" encoding="utf-8"?>
+<p:sld xmlns:a="http://schemas.openxmlformats.org/drawingml/2006/main" xmlns:r="http://schemas.openxmlformats.org/officeDocument/2006/relationships" xmlns:p="http://schemas.openxmlformats.org/presentationml/2006/main">
+  <p:cSld>
+    <p:spTree>
+      <p:nvGrpSpPr>
+        <p:cNvPr id="1" name=""/>
+        <p:cNvGrpSpPr/>
+        <p:nvPr/>
+      </p:nvGrpSpPr>
+      <p:grpSpPr>
+        <a:xfrm>
+          <a:off x="0" y="0"/>
+          <a:ext cx="0" cy="0"/>
+          <a:chOff x="0" y="0"/>
+          <a:chExt cx="0" cy="0"/>
+        </a:xfrm>
+      </p:grpSpPr>
+      <p:pic>
+        <p:nvPicPr>
+          <p:cNvPr id="9" name="Imagen 8">
+            <a:extLst>
+              <a:ext uri="{FF2B5EF4-FFF2-40B4-BE49-F238E27FC236}">
+                <a16:creationId xmlns:a16="http://schemas.microsoft.com/office/drawing/2014/main" id="{55681D07-14C7-4EAC-98AA-95DC7D5F750A}"/>
+              </a:ext>
+            </a:extLst>
+          </p:cNvPr>
+          <p:cNvPicPr>
+            <a:picLocks noChangeAspect="1"/>
+          </p:cNvPicPr>
+          <p:nvPr/>
+        </p:nvPicPr>
+        <p:blipFill>
+          <a:blip r:embed="rId2"/>
+          <a:stretch>
+            <a:fillRect/>
+          </a:stretch>
+        </p:blipFill>
+        <p:spPr>
+          <a:xfrm>
+            <a:off x="423244" y="1310016"/>
+            <a:ext cx="3779767" cy="4542763"/>
+          </a:xfrm>
+          <a:prstGeom prst="rect">
+            <a:avLst/>
+          </a:prstGeom>
+        </p:spPr>
+      </p:pic>
+      <p:sp>
+        <p:nvSpPr>
+          <p:cNvPr id="2" name="Título 1">
+            <a:extLst>
+              <a:ext uri="{FF2B5EF4-FFF2-40B4-BE49-F238E27FC236}">
+                <a16:creationId xmlns:a16="http://schemas.microsoft.com/office/drawing/2014/main" id="{0A91A8CC-348F-47AE-AB7A-CE5104E46397}"/>
+              </a:ext>
+            </a:extLst>
+          </p:cNvPr>
+          <p:cNvSpPr>
+            <a:spLocks noGrp="1"/>
+          </p:cNvSpPr>
+          <p:nvPr>
+            <p:ph type="title"/>
+          </p:nvPr>
+        </p:nvSpPr>
+        <p:spPr/>
+        <p:txBody>
+          <a:bodyPr/>
+          <a:lstStyle/>
+          <a:p>
+            <a:r>
+              <a:rPr lang="es-CO" dirty="0">
+                <a:solidFill>
+                  <a:schemeClr val="accent6">
+                    <a:lumMod val="50000"/>
+                  </a:schemeClr>
+                </a:solidFill>
+                <a:latin typeface="Calibri Light" panose="020F0302020204030204" pitchFamily="34" charset="0"/>
+              </a:rPr>
+              <a:t>Punto de Origen cambiado</a:t>
+            </a:r>
+          </a:p>
+        </p:txBody>
+      </p:sp>
+      <p:sp>
+        <p:nvSpPr>
+          <p:cNvPr id="3" name="Marcador de contenido 2">
+            <a:extLst>
+              <a:ext uri="{FF2B5EF4-FFF2-40B4-BE49-F238E27FC236}">
+                <a16:creationId xmlns:a16="http://schemas.microsoft.com/office/drawing/2014/main" id="{21D48E92-4FB4-4B92-A7ED-53908AD627CC}"/>
+              </a:ext>
+            </a:extLst>
+          </p:cNvPr>
+          <p:cNvSpPr>
+            <a:spLocks noGrp="1"/>
+          </p:cNvSpPr>
+          <p:nvPr>
+            <p:ph idx="1"/>
+          </p:nvPr>
+        </p:nvSpPr>
+        <p:spPr>
+          <a:xfrm>
+            <a:off x="5182638" y="1433512"/>
+            <a:ext cx="6151699" cy="3161678"/>
+          </a:xfrm>
+        </p:spPr>
+        <p:txBody>
+          <a:bodyPr/>
+          <a:lstStyle/>
+          <a:p>
+            <a:r>
+              <a:rPr lang="es-CO" sz="2400" i="1" dirty="0">
+                <a:latin typeface="Calibri Light" panose="020F0302020204030204" pitchFamily="34" charset="0"/>
+              </a:rPr>
+              <a:t>Método N°1 : Cambio de la calidad de interpolación.</a:t>
+            </a:r>
+          </a:p>
+          <a:p>
+            <a:endParaRPr lang="es-CO" sz="2400" i="1" dirty="0">
+              <a:latin typeface="Calibri Light" panose="020F0302020204030204" pitchFamily="34" charset="0"/>
+            </a:endParaRPr>
+          </a:p>
+          <a:p>
+            <a:r>
+              <a:rPr lang="es-CO" sz="2400" i="1" dirty="0">
+                <a:latin typeface="Calibri Light" panose="020F0302020204030204" pitchFamily="34" charset="0"/>
+              </a:rPr>
+              <a:t>Método N°2 : Perdida de calidad</a:t>
+            </a:r>
+          </a:p>
+          <a:p>
+            <a:endParaRPr lang="es-CO" sz="2400" i="1" dirty="0">
+              <a:latin typeface="Calibri Light" panose="020F0302020204030204" pitchFamily="34" charset="0"/>
+            </a:endParaRPr>
+          </a:p>
+          <a:p>
+            <a:r>
+              <a:rPr lang="es-CO" sz="2400" i="1" dirty="0">
+                <a:latin typeface="Calibri Light" panose="020F0302020204030204" pitchFamily="34" charset="0"/>
+              </a:rPr>
+              <a:t>Método N°3 : Cambiar de manera inversa los puntos de los segmentos.</a:t>
+            </a:r>
+          </a:p>
+        </p:txBody>
+      </p:sp>
+      <p:sp>
+        <p:nvSpPr>
+          <p:cNvPr id="4" name="AutoShape 2" descr="blob:https://web.whatsapp.com/58d0df73-726a-4b8b-adc9-e6e67795fa89">
+            <a:extLst>
+              <a:ext uri="{FF2B5EF4-FFF2-40B4-BE49-F238E27FC236}">
+                <a16:creationId xmlns:a16="http://schemas.microsoft.com/office/drawing/2014/main" id="{7648042A-DA53-4575-B43B-08AED6121827}"/>
+              </a:ext>
+            </a:extLst>
+          </p:cNvPr>
+          <p:cNvSpPr>
+            <a:spLocks noChangeAspect="1" noChangeArrowheads="1"/>
+          </p:cNvSpPr>
+          <p:nvPr/>
+        </p:nvSpPr>
+        <p:spPr bwMode="auto">
+          <a:xfrm>
+            <a:off x="5943600" y="3276600"/>
+            <a:ext cx="304800" cy="304800"/>
+          </a:xfrm>
+          <a:prstGeom prst="rect">
+            <a:avLst/>
+          </a:prstGeom>
+          <a:noFill/>
+          <a:extLst>
+            <a:ext uri="{909E8E84-426E-40DD-AFC4-6F175D3DCCD1}">
+              <a14:hiddenFill xmlns:a14="http://schemas.microsoft.com/office/drawing/2010/main">
+                <a:solidFill>
+                  <a:srgbClr val="FFFFFF"/>
+                </a:solidFill>
+              </a14:hiddenFill>
+            </a:ext>
+          </a:extLst>
+        </p:spPr>
+        <p:txBody>
+          <a:bodyPr vert="horz" wrap="square" lIns="91440" tIns="45720" rIns="91440" bIns="45720" numCol="1" anchor="t" anchorCtr="0" compatLnSpc="1">
+            <a:prstTxWarp prst="textNoShape">
+              <a:avLst/>
+            </a:prstTxWarp>
+          </a:bodyPr>
+          <a:lstStyle/>
+          <a:p>
+            <a:endParaRPr lang="es-CO"/>
+          </a:p>
+        </p:txBody>
+      </p:sp>
+      <p:sp>
+        <p:nvSpPr>
+          <p:cNvPr id="5" name="AutoShape 4" descr="blob:https://web.whatsapp.com/58d0df73-726a-4b8b-adc9-e6e67795fa89">
+            <a:extLst>
+              <a:ext uri="{FF2B5EF4-FFF2-40B4-BE49-F238E27FC236}">
+                <a16:creationId xmlns:a16="http://schemas.microsoft.com/office/drawing/2014/main" id="{139386AB-E1E3-46F6-805A-4294D7F2F68A}"/>
+              </a:ext>
+            </a:extLst>
+          </p:cNvPr>
+          <p:cNvSpPr>
+            <a:spLocks noChangeAspect="1" noChangeArrowheads="1"/>
+          </p:cNvSpPr>
+          <p:nvPr/>
+        </p:nvSpPr>
+        <p:spPr bwMode="auto">
+          <a:xfrm>
+            <a:off x="6095999" y="3428999"/>
+            <a:ext cx="1166191" cy="1166191"/>
+          </a:xfrm>
+          <a:prstGeom prst="rect">
+            <a:avLst/>
+          </a:prstGeom>
+          <a:noFill/>
+          <a:extLst>
+            <a:ext uri="{909E8E84-426E-40DD-AFC4-6F175D3DCCD1}">
+              <a14:hiddenFill xmlns:a14="http://schemas.microsoft.com/office/drawing/2010/main">
+                <a:solidFill>
+                  <a:srgbClr val="FFFFFF"/>
+                </a:solidFill>
+              </a14:hiddenFill>
+            </a:ext>
+          </a:extLst>
+        </p:spPr>
+        <p:txBody>
+          <a:bodyPr vert="horz" wrap="square" lIns="91440" tIns="45720" rIns="91440" bIns="45720" numCol="1" anchor="t" anchorCtr="0" compatLnSpc="1">
+            <a:prstTxWarp prst="textNoShape">
+              <a:avLst/>
+            </a:prstTxWarp>
+          </a:bodyPr>
+          <a:lstStyle/>
+          <a:p>
+            <a:endParaRPr lang="es-CO"/>
+          </a:p>
+        </p:txBody>
+      </p:sp>
+      <p:pic>
+        <p:nvPicPr>
+          <p:cNvPr id="13" name="Imagen 12">
+            <a:extLst>
+              <a:ext uri="{FF2B5EF4-FFF2-40B4-BE49-F238E27FC236}">
+                <a16:creationId xmlns:a16="http://schemas.microsoft.com/office/drawing/2014/main" id="{D6F9C2EA-B5CF-42B4-9895-C6EE15266FBA}"/>
+              </a:ext>
+            </a:extLst>
+          </p:cNvPr>
+          <p:cNvPicPr>
+            <a:picLocks noChangeAspect="1"/>
+          </p:cNvPicPr>
+          <p:nvPr/>
+        </p:nvPicPr>
+        <p:blipFill>
+          <a:blip r:embed="rId3"/>
+          <a:stretch>
+            <a:fillRect/>
+          </a:stretch>
+        </p:blipFill>
+        <p:spPr>
+          <a:xfrm>
+            <a:off x="1076329" y="1310016"/>
+            <a:ext cx="3779767" cy="4542763"/>
+          </a:xfrm>
+          <a:prstGeom prst="rect">
+            <a:avLst/>
+          </a:prstGeom>
+        </p:spPr>
+      </p:pic>
+      <p:pic>
+        <p:nvPicPr>
+          <p:cNvPr id="11" name="Imagen 10">
+            <a:extLst>
+              <a:ext uri="{FF2B5EF4-FFF2-40B4-BE49-F238E27FC236}">
+                <a16:creationId xmlns:a16="http://schemas.microsoft.com/office/drawing/2014/main" id="{9F365180-1ED8-47D8-AD07-4AC71ABB60B4}"/>
+              </a:ext>
+            </a:extLst>
+          </p:cNvPr>
+          <p:cNvPicPr>
+            <a:picLocks noChangeAspect="1"/>
+          </p:cNvPicPr>
+          <p:nvPr/>
+        </p:nvPicPr>
+        <p:blipFill>
+          <a:blip r:embed="rId4"/>
+          <a:stretch>
+            <a:fillRect/>
+          </a:stretch>
+        </p:blipFill>
+        <p:spPr>
+          <a:xfrm>
+            <a:off x="749786" y="1310014"/>
+            <a:ext cx="3779768" cy="4542765"/>
+          </a:xfrm>
+          <a:prstGeom prst="rect">
+            <a:avLst/>
+          </a:prstGeom>
+        </p:spPr>
+      </p:pic>
+    </p:spTree>
+    <p:extLst>
+      <p:ext uri="{BB962C8B-B14F-4D97-AF65-F5344CB8AC3E}">
+        <p14:creationId xmlns:p14="http://schemas.microsoft.com/office/powerpoint/2010/main" val="1517303590"/>
+      </p:ext>
+    </p:extLst>
+  </p:cSld>
+  <p:clrMapOvr>
+    <a:masterClrMapping/>
+  </p:clrMapOvr>
+  <p:transition spd="slow">
+    <p:fade/>
+  </p:transition>
+  <p:timing>
+    <p:tnLst>
+      <p:par>
+        <p:cTn id="1" dur="indefinite" restart="never" nodeType="tmRoot">
+          <p:childTnLst>
+            <p:seq concurrent="1" nextAc="seek">
+              <p:cTn id="2" dur="indefinite" nodeType="mainSeq">
+                <p:childTnLst>
+                  <p:par>
+                    <p:cTn id="3" fill="hold">
+                      <p:stCondLst>
+                        <p:cond delay="indefinite"/>
+                      </p:stCondLst>
+                      <p:childTnLst>
+                        <p:par>
+                          <p:cTn id="4" fill="hold">
+                            <p:stCondLst>
+                              <p:cond delay="0"/>
+                            </p:stCondLst>
+                            <p:childTnLst>
+                              <p:par>
+                                <p:cTn id="5" presetID="10" presetClass="exit" presetSubtype="0" fill="hold" nodeType="clickEffect">
+                                  <p:stCondLst>
+                                    <p:cond delay="0"/>
+                                  </p:stCondLst>
+                                  <p:childTnLst>
+                                    <p:animEffect transition="out" filter="fade">
+                                      <p:cBhvr>
+                                        <p:cTn id="6" dur="1000"/>
+                                        <p:tgtEl>
+                                          <p:spTgt spid="11"/>
+                                        </p:tgtEl>
+                                      </p:cBhvr>
+                                    </p:animEffect>
+                                    <p:set>
+                                      <p:cBhvr>
+                                        <p:cTn id="7" dur="1" fill="hold">
+                                          <p:stCondLst>
+                                            <p:cond delay="999"/>
+                                          </p:stCondLst>
+                                        </p:cTn>
+                                        <p:tgtEl>
+                                          <p:spTgt spid="11"/>
+                                        </p:tgtEl>
+                                        <p:attrNameLst>
+                                          <p:attrName>style.visibility</p:attrName>
+                                        </p:attrNameLst>
+                                      </p:cBhvr>
+                                      <p:to>
+                                        <p:strVal val="hidden"/>
+                                      </p:to>
+                                    </p:set>
+                                  </p:childTnLst>
+                                </p:cTn>
+                              </p:par>
+                            </p:childTnLst>
+                          </p:cTn>
+                        </p:par>
+                        <p:par>
+                          <p:cTn id="8" fill="hold">
+                            <p:stCondLst>
+                              <p:cond delay="1000"/>
+                            </p:stCondLst>
+                            <p:childTnLst>
+                              <p:par>
+                                <p:cTn id="9" presetID="10" presetClass="entr" presetSubtype="0" fill="hold" nodeType="afterEffect">
+                                  <p:stCondLst>
+                                    <p:cond delay="0"/>
+                                  </p:stCondLst>
+                                  <p:childTnLst>
+                                    <p:set>
+                                      <p:cBhvr>
+                                        <p:cTn id="10" dur="1" fill="hold">
+                                          <p:stCondLst>
+                                            <p:cond delay="0"/>
+                                          </p:stCondLst>
+                                        </p:cTn>
+                                        <p:tgtEl>
+                                          <p:spTgt spid="9"/>
+                                        </p:tgtEl>
+                                        <p:attrNameLst>
+                                          <p:attrName>style.visibility</p:attrName>
+                                        </p:attrNameLst>
+                                      </p:cBhvr>
+                                      <p:to>
+                                        <p:strVal val="visible"/>
+                                      </p:to>
+                                    </p:set>
+                                    <p:animEffect transition="in" filter="fade">
+                                      <p:cBhvr>
+                                        <p:cTn id="11" dur="1000"/>
+                                        <p:tgtEl>
+                                          <p:spTgt spid="9"/>
+                                        </p:tgtEl>
+                                      </p:cBhvr>
+                                    </p:animEffect>
+                                  </p:childTnLst>
+                                </p:cTn>
+                              </p:par>
+                            </p:childTnLst>
+                          </p:cTn>
+                        </p:par>
+                      </p:childTnLst>
+                    </p:cTn>
+                  </p:par>
+                  <p:par>
+                    <p:cTn id="12" fill="hold">
+                      <p:stCondLst>
+                        <p:cond delay="indefinite"/>
+                      </p:stCondLst>
+                      <p:childTnLst>
+                        <p:par>
+                          <p:cTn id="13" fill="hold">
+                            <p:stCondLst>
+                              <p:cond delay="0"/>
+                            </p:stCondLst>
+                            <p:childTnLst>
+                              <p:par>
+                                <p:cTn id="14" presetID="10" presetClass="exit" presetSubtype="0" fill="hold" nodeType="clickEffect">
+                                  <p:stCondLst>
+                                    <p:cond delay="0"/>
+                                  </p:stCondLst>
+                                  <p:childTnLst>
+                                    <p:animEffect transition="out" filter="fade">
+                                      <p:cBhvr>
+                                        <p:cTn id="15" dur="1000"/>
+                                        <p:tgtEl>
+                                          <p:spTgt spid="9"/>
+                                        </p:tgtEl>
+                                      </p:cBhvr>
+                                    </p:animEffect>
+                                    <p:set>
+                                      <p:cBhvr>
+                                        <p:cTn id="16" dur="1" fill="hold">
+                                          <p:stCondLst>
+                                            <p:cond delay="999"/>
+                                          </p:stCondLst>
+                                        </p:cTn>
+                                        <p:tgtEl>
+                                          <p:spTgt spid="9"/>
+                                        </p:tgtEl>
+                                        <p:attrNameLst>
+                                          <p:attrName>style.visibility</p:attrName>
+                                        </p:attrNameLst>
+                                      </p:cBhvr>
+                                      <p:to>
+                                        <p:strVal val="hidden"/>
+                                      </p:to>
+                                    </p:set>
+                                  </p:childTnLst>
+                                </p:cTn>
+                              </p:par>
+                            </p:childTnLst>
+                          </p:cTn>
+                        </p:par>
+                        <p:par>
+                          <p:cTn id="17" fill="hold">
+                            <p:stCondLst>
+                              <p:cond delay="1000"/>
+                            </p:stCondLst>
+                            <p:childTnLst>
+                              <p:par>
+                                <p:cTn id="18" presetID="10" presetClass="entr" presetSubtype="0" fill="hold" nodeType="afterEffect">
+                                  <p:stCondLst>
+                                    <p:cond delay="0"/>
+                                  </p:stCondLst>
+                                  <p:childTnLst>
+                                    <p:set>
+                                      <p:cBhvr>
+                                        <p:cTn id="19" dur="1" fill="hold">
+                                          <p:stCondLst>
+                                            <p:cond delay="0"/>
+                                          </p:stCondLst>
+                                        </p:cTn>
+                                        <p:tgtEl>
+                                          <p:spTgt spid="13"/>
+                                        </p:tgtEl>
+                                        <p:attrNameLst>
+                                          <p:attrName>style.visibility</p:attrName>
+                                        </p:attrNameLst>
+                                      </p:cBhvr>
+                                      <p:to>
+                                        <p:strVal val="visible"/>
+                                      </p:to>
+                                    </p:set>
+                                    <p:animEffect transition="in" filter="fade">
+                                      <p:cBhvr>
+                                        <p:cTn id="20" dur="500"/>
+                                        <p:tgtEl>
+                                          <p:spTgt spid="13"/>
+                                        </p:tgtEl>
+                                      </p:cBhvr>
+                                    </p:animEffect>
+                                  </p:childTnLst>
+                                </p:cTn>
+                              </p:par>
+                            </p:childTnLst>
+                          </p:cTn>
+                        </p:par>
+                      </p:childTnLst>
+                    </p:cTn>
+                  </p:par>
+                </p:childTnLst>
+              </p:cTn>
+              <p:prevCondLst>
+                <p:cond evt="onPrev" delay="0">
+                  <p:tgtEl>
+                    <p:sldTgt/>
+                  </p:tgtEl>
+                </p:cond>
+              </p:prevCondLst>
+              <p:nextCondLst>
+                <p:cond evt="onNext" delay="0">
+                  <p:tgtEl>
+                    <p:sldTgt/>
+                  </p:tgtEl>
+                </p:cond>
+              </p:nextCondLst>
+            </p:seq>
+          </p:childTnLst>
+        </p:cTn>
+      </p:par>
+    </p:tnLst>
+  </p:timing>
+</p:sld>
+</file>
+
+<file path=ppt/slides/slide16.xml><?xml version="1.0" encoding="utf-8"?>
+<p:sld xmlns:a="http://schemas.openxmlformats.org/drawingml/2006/main" xmlns:r="http://schemas.openxmlformats.org/officeDocument/2006/relationships" xmlns:p="http://schemas.openxmlformats.org/presentationml/2006/main">
+  <p:cSld>
+    <p:spTree>
+      <p:nvGrpSpPr>
+        <p:cNvPr id="1" name=""/>
+        <p:cNvGrpSpPr/>
+        <p:nvPr/>
+      </p:nvGrpSpPr>
+      <p:grpSpPr>
+        <a:xfrm>
+          <a:off x="0" y="0"/>
+          <a:ext cx="0" cy="0"/>
+          <a:chOff x="0" y="0"/>
+          <a:chExt cx="0" cy="0"/>
+        </a:xfrm>
+      </p:grpSpPr>
+      <p:pic>
+        <p:nvPicPr>
+          <p:cNvPr id="9" name="Imagen 8">
+            <a:extLst>
+              <a:ext uri="{FF2B5EF4-FFF2-40B4-BE49-F238E27FC236}">
+                <a16:creationId xmlns:a16="http://schemas.microsoft.com/office/drawing/2014/main" id="{8732C787-38C6-4890-90A9-55E13DCDF6F0}"/>
+              </a:ext>
+            </a:extLst>
+          </p:cNvPr>
+          <p:cNvPicPr>
+            <a:picLocks noChangeAspect="1"/>
+          </p:cNvPicPr>
+          <p:nvPr/>
+        </p:nvPicPr>
+        <p:blipFill>
+          <a:blip r:embed="rId2"/>
+          <a:stretch>
+            <a:fillRect/>
+          </a:stretch>
+        </p:blipFill>
+        <p:spPr>
+          <a:xfrm>
+            <a:off x="6478005" y="1315062"/>
+            <a:ext cx="4045622" cy="4862285"/>
+          </a:xfrm>
+          <a:prstGeom prst="rect">
+            <a:avLst/>
+          </a:prstGeom>
+        </p:spPr>
+      </p:pic>
+      <p:sp>
+        <p:nvSpPr>
+          <p:cNvPr id="2" name="Título 1">
+            <a:extLst>
+              <a:ext uri="{FF2B5EF4-FFF2-40B4-BE49-F238E27FC236}">
+                <a16:creationId xmlns:a16="http://schemas.microsoft.com/office/drawing/2014/main" id="{55420E24-99D4-4392-9748-BBC4B19D38F3}"/>
+              </a:ext>
+            </a:extLst>
+          </p:cNvPr>
+          <p:cNvSpPr>
+            <a:spLocks noGrp="1"/>
+          </p:cNvSpPr>
+          <p:nvPr>
+            <p:ph type="title"/>
+          </p:nvPr>
+        </p:nvSpPr>
+        <p:spPr/>
+        <p:txBody>
+          <a:bodyPr/>
+          <a:lstStyle/>
+          <a:p>
+            <a:r>
+              <a:rPr lang="es-CO" dirty="0">
+                <a:solidFill>
+                  <a:schemeClr val="accent6">
+                    <a:lumMod val="50000"/>
+                  </a:schemeClr>
+                </a:solidFill>
+                <a:latin typeface="Calibri Light" panose="020F0302020204030204" pitchFamily="34" charset="0"/>
+              </a:rPr>
+              <a:t>Nuevos puntos agregados</a:t>
+            </a:r>
+          </a:p>
+        </p:txBody>
+      </p:sp>
+      <p:sp>
+        <p:nvSpPr>
+          <p:cNvPr id="3" name="Marcador de contenido 2">
+            <a:extLst>
+              <a:ext uri="{FF2B5EF4-FFF2-40B4-BE49-F238E27FC236}">
+                <a16:creationId xmlns:a16="http://schemas.microsoft.com/office/drawing/2014/main" id="{038EC8AE-68BC-4FF3-B302-DE23AF1EDE7C}"/>
+              </a:ext>
+            </a:extLst>
+          </p:cNvPr>
+          <p:cNvSpPr>
+            <a:spLocks noGrp="1"/>
+          </p:cNvSpPr>
+          <p:nvPr>
+            <p:ph idx="1"/>
+          </p:nvPr>
+        </p:nvSpPr>
+        <p:spPr>
+          <a:xfrm>
+            <a:off x="609600" y="1600201"/>
+            <a:ext cx="4660232" cy="4525963"/>
+          </a:xfrm>
+        </p:spPr>
+        <p:txBody>
+          <a:bodyPr/>
+          <a:lstStyle/>
+          <a:p>
+            <a:r>
+              <a:rPr lang="es-CO" sz="2400" i="1" dirty="0">
+                <a:latin typeface="Calibri Light" panose="020F0302020204030204" pitchFamily="34" charset="0"/>
+              </a:rPr>
+              <a:t>Método N°1: capaz de manejar diversas cantidades de puntos sin inconveniente</a:t>
+            </a:r>
+          </a:p>
+          <a:p>
+            <a:endParaRPr lang="es-CO" sz="2400" i="1" dirty="0">
+              <a:latin typeface="Calibri Light" panose="020F0302020204030204" pitchFamily="34" charset="0"/>
+            </a:endParaRPr>
+          </a:p>
+          <a:p>
+            <a:r>
+              <a:rPr lang="es-CO" sz="2400" i="1" dirty="0">
+                <a:latin typeface="Calibri Light" panose="020F0302020204030204" pitchFamily="34" charset="0"/>
+              </a:rPr>
+              <a:t>Método N°2:capaz de manejar diversas cantidades de puntos</a:t>
+            </a:r>
+          </a:p>
+          <a:p>
+            <a:endParaRPr lang="es-CO" sz="2400" i="1" dirty="0">
+              <a:latin typeface="Calibri Light" panose="020F0302020204030204" pitchFamily="34" charset="0"/>
+            </a:endParaRPr>
+          </a:p>
+          <a:p>
+            <a:r>
+              <a:rPr lang="es-CO" sz="2400" i="1" dirty="0">
+                <a:latin typeface="Calibri Light" panose="020F0302020204030204" pitchFamily="34" charset="0"/>
+              </a:rPr>
+              <a:t>Método N°3: Es necesario actualizar los segmentos de puntos a interpolar</a:t>
+            </a:r>
+          </a:p>
+        </p:txBody>
+      </p:sp>
+      <p:pic>
+        <p:nvPicPr>
+          <p:cNvPr id="5" name="Imagen 4">
+            <a:extLst>
+              <a:ext uri="{FF2B5EF4-FFF2-40B4-BE49-F238E27FC236}">
+                <a16:creationId xmlns:a16="http://schemas.microsoft.com/office/drawing/2014/main" id="{0597E2B5-28C3-4EB2-8E92-6C7E66434A51}"/>
+              </a:ext>
+            </a:extLst>
+          </p:cNvPr>
+          <p:cNvPicPr>
+            <a:picLocks noChangeAspect="1"/>
+          </p:cNvPicPr>
+          <p:nvPr/>
+        </p:nvPicPr>
+        <p:blipFill>
+          <a:blip r:embed="rId3"/>
+          <a:stretch>
+            <a:fillRect/>
+          </a:stretch>
+        </p:blipFill>
+        <p:spPr>
+          <a:xfrm>
+            <a:off x="6750718" y="1315062"/>
+            <a:ext cx="4045622" cy="4862285"/>
+          </a:xfrm>
+          <a:prstGeom prst="rect">
+            <a:avLst/>
+          </a:prstGeom>
+        </p:spPr>
+      </p:pic>
+      <p:pic>
+        <p:nvPicPr>
+          <p:cNvPr id="7" name="Imagen 6">
+            <a:extLst>
+              <a:ext uri="{FF2B5EF4-FFF2-40B4-BE49-F238E27FC236}">
+                <a16:creationId xmlns:a16="http://schemas.microsoft.com/office/drawing/2014/main" id="{2CE3E103-3306-4D42-B774-9EAC7F0FB25C}"/>
+              </a:ext>
+            </a:extLst>
+          </p:cNvPr>
+          <p:cNvPicPr>
+            <a:picLocks noChangeAspect="1"/>
+          </p:cNvPicPr>
+          <p:nvPr/>
+        </p:nvPicPr>
+        <p:blipFill>
+          <a:blip r:embed="rId4"/>
+          <a:stretch>
+            <a:fillRect/>
+          </a:stretch>
+        </p:blipFill>
+        <p:spPr>
+          <a:xfrm>
+            <a:off x="7023431" y="1315062"/>
+            <a:ext cx="4045622" cy="4862285"/>
+          </a:xfrm>
+          <a:prstGeom prst="rect">
+            <a:avLst/>
+          </a:prstGeom>
+        </p:spPr>
+      </p:pic>
+    </p:spTree>
+    <p:extLst>
+      <p:ext uri="{BB962C8B-B14F-4D97-AF65-F5344CB8AC3E}">
+        <p14:creationId xmlns:p14="http://schemas.microsoft.com/office/powerpoint/2010/main" val="1790942924"/>
+      </p:ext>
+    </p:extLst>
+  </p:cSld>
+  <p:clrMapOvr>
+    <a:masterClrMapping/>
+  </p:clrMapOvr>
+  <p:transition spd="slow">
+    <p:fade/>
+  </p:transition>
+  <p:timing>
+    <p:tnLst>
+      <p:par>
+        <p:cTn id="1" dur="indefinite" restart="never" nodeType="tmRoot">
+          <p:childTnLst>
+            <p:seq concurrent="1" nextAc="seek">
+              <p:cTn id="2" dur="indefinite" nodeType="mainSeq">
+                <p:childTnLst>
+                  <p:par>
+                    <p:cTn id="3" fill="hold">
+                      <p:stCondLst>
+                        <p:cond delay="indefinite"/>
+                      </p:stCondLst>
+                      <p:childTnLst>
+                        <p:par>
+                          <p:cTn id="4" fill="hold">
+                            <p:stCondLst>
+                              <p:cond delay="0"/>
+                            </p:stCondLst>
+                            <p:childTnLst>
+                              <p:par>
+                                <p:cTn id="5" presetID="10" presetClass="exit" presetSubtype="0" fill="hold" nodeType="clickEffect">
+                                  <p:stCondLst>
+                                    <p:cond delay="0"/>
+                                  </p:stCondLst>
+                                  <p:childTnLst>
+                                    <p:animEffect transition="out" filter="fade">
+                                      <p:cBhvr>
+                                        <p:cTn id="6" dur="1000"/>
+                                        <p:tgtEl>
+                                          <p:spTgt spid="7"/>
+                                        </p:tgtEl>
+                                      </p:cBhvr>
+                                    </p:animEffect>
+                                    <p:set>
+                                      <p:cBhvr>
+                                        <p:cTn id="7" dur="1" fill="hold">
+                                          <p:stCondLst>
+                                            <p:cond delay="999"/>
+                                          </p:stCondLst>
+                                        </p:cTn>
+                                        <p:tgtEl>
+                                          <p:spTgt spid="7"/>
+                                        </p:tgtEl>
+                                        <p:attrNameLst>
+                                          <p:attrName>style.visibility</p:attrName>
+                                        </p:attrNameLst>
+                                      </p:cBhvr>
+                                      <p:to>
+                                        <p:strVal val="hidden"/>
+                                      </p:to>
+                                    </p:set>
+                                  </p:childTnLst>
+                                </p:cTn>
+                              </p:par>
+                              <p:par>
+                                <p:cTn id="8" presetID="10" presetClass="entr" presetSubtype="0" fill="hold" nodeType="withEffect">
+                                  <p:stCondLst>
+                                    <p:cond delay="0"/>
+                                  </p:stCondLst>
+                                  <p:childTnLst>
+                                    <p:set>
+                                      <p:cBhvr>
+                                        <p:cTn id="9" dur="1" fill="hold">
+                                          <p:stCondLst>
+                                            <p:cond delay="0"/>
+                                          </p:stCondLst>
+                                        </p:cTn>
+                                        <p:tgtEl>
+                                          <p:spTgt spid="5"/>
+                                        </p:tgtEl>
+                                        <p:attrNameLst>
+                                          <p:attrName>style.visibility</p:attrName>
+                                        </p:attrNameLst>
+                                      </p:cBhvr>
+                                      <p:to>
+                                        <p:strVal val="visible"/>
+                                      </p:to>
+                                    </p:set>
+                                    <p:animEffect transition="in" filter="fade">
+                                      <p:cBhvr>
+                                        <p:cTn id="10" dur="1000"/>
+                                        <p:tgtEl>
+                                          <p:spTgt spid="5"/>
+                                        </p:tgtEl>
+                                      </p:cBhvr>
+                                    </p:animEffect>
+                                  </p:childTnLst>
+                                </p:cTn>
+                              </p:par>
+                            </p:childTnLst>
+                          </p:cTn>
+                        </p:par>
+                      </p:childTnLst>
+                    </p:cTn>
+                  </p:par>
+                  <p:par>
+                    <p:cTn id="11" fill="hold">
+                      <p:stCondLst>
+                        <p:cond delay="indefinite"/>
+                      </p:stCondLst>
+                      <p:childTnLst>
+                        <p:par>
+                          <p:cTn id="12" fill="hold">
+                            <p:stCondLst>
+                              <p:cond delay="0"/>
+                            </p:stCondLst>
+                            <p:childTnLst>
+                              <p:par>
+                                <p:cTn id="13" presetID="10" presetClass="exit" presetSubtype="0" fill="hold" nodeType="clickEffect">
+                                  <p:stCondLst>
+                                    <p:cond delay="0"/>
+                                  </p:stCondLst>
+                                  <p:childTnLst>
+                                    <p:animEffect transition="out" filter="fade">
+                                      <p:cBhvr>
+                                        <p:cTn id="14" dur="1000"/>
+                                        <p:tgtEl>
+                                          <p:spTgt spid="5"/>
+                                        </p:tgtEl>
+                                      </p:cBhvr>
+                                    </p:animEffect>
+                                    <p:set>
+                                      <p:cBhvr>
+                                        <p:cTn id="15" dur="1" fill="hold">
+                                          <p:stCondLst>
+                                            <p:cond delay="999"/>
+                                          </p:stCondLst>
+                                        </p:cTn>
+                                        <p:tgtEl>
+                                          <p:spTgt spid="5"/>
+                                        </p:tgtEl>
+                                        <p:attrNameLst>
+                                          <p:attrName>style.visibility</p:attrName>
+                                        </p:attrNameLst>
+                                      </p:cBhvr>
+                                      <p:to>
+                                        <p:strVal val="hidden"/>
+                                      </p:to>
+                                    </p:set>
+                                  </p:childTnLst>
+                                </p:cTn>
+                              </p:par>
+                              <p:par>
+                                <p:cTn id="16" presetID="10" presetClass="entr" presetSubtype="0" fill="hold" nodeType="withEffect">
+                                  <p:stCondLst>
+                                    <p:cond delay="0"/>
+                                  </p:stCondLst>
+                                  <p:childTnLst>
+                                    <p:set>
+                                      <p:cBhvr>
+                                        <p:cTn id="17" dur="1" fill="hold">
+                                          <p:stCondLst>
+                                            <p:cond delay="0"/>
+                                          </p:stCondLst>
+                                        </p:cTn>
+                                        <p:tgtEl>
+                                          <p:spTgt spid="9"/>
+                                        </p:tgtEl>
+                                        <p:attrNameLst>
+                                          <p:attrName>style.visibility</p:attrName>
+                                        </p:attrNameLst>
+                                      </p:cBhvr>
+                                      <p:to>
+                                        <p:strVal val="visible"/>
+                                      </p:to>
+                                    </p:set>
+                                    <p:animEffect transition="in" filter="fade">
+                                      <p:cBhvr>
+                                        <p:cTn id="18" dur="1000"/>
+                                        <p:tgtEl>
+                                          <p:spTgt spid="9"/>
+                                        </p:tgtEl>
+                                      </p:cBhvr>
+                                    </p:animEffect>
+                                  </p:childTnLst>
+                                </p:cTn>
+                              </p:par>
+                            </p:childTnLst>
+                          </p:cTn>
+                        </p:par>
+                      </p:childTnLst>
+                    </p:cTn>
+                  </p:par>
+                </p:childTnLst>
+              </p:cTn>
+              <p:prevCondLst>
+                <p:cond evt="onPrev" delay="0">
+                  <p:tgtEl>
+                    <p:sldTgt/>
+                  </p:tgtEl>
+                </p:cond>
+              </p:prevCondLst>
+              <p:nextCondLst>
+                <p:cond evt="onNext" delay="0">
+                  <p:tgtEl>
+                    <p:sldTgt/>
+                  </p:tgtEl>
+                </p:cond>
+              </p:nextCondLst>
+            </p:seq>
+          </p:childTnLst>
+        </p:cTn>
+      </p:par>
+    </p:tnLst>
+  </p:timing>
+</p:sld>
+</file>
+
+<file path=ppt/slides/slide17.xml><?xml version="1.0" encoding="utf-8"?>
+<p:sld xmlns:a="http://schemas.openxmlformats.org/drawingml/2006/main" xmlns:r="http://schemas.openxmlformats.org/officeDocument/2006/relationships" xmlns:p="http://schemas.openxmlformats.org/presentationml/2006/main">
+  <p:cSld>
+    <p:spTree>
+      <p:nvGrpSpPr>
+        <p:cNvPr id="1" name=""/>
+        <p:cNvGrpSpPr/>
+        <p:nvPr/>
+      </p:nvGrpSpPr>
+      <p:grpSpPr>
+        <a:xfrm>
+          <a:off x="0" y="0"/>
+          <a:ext cx="0" cy="0"/>
+          <a:chOff x="0" y="0"/>
+          <a:chExt cx="0" cy="0"/>
+        </a:xfrm>
+      </p:grpSpPr>
+      <p:sp>
+        <p:nvSpPr>
+          <p:cNvPr id="2" name="Título 1">
+            <a:extLst>
+              <a:ext uri="{FF2B5EF4-FFF2-40B4-BE49-F238E27FC236}">
+                <a16:creationId xmlns:a16="http://schemas.microsoft.com/office/drawing/2014/main" id="{704AF96D-87F0-4B53-8E63-E7050B090B27}"/>
+              </a:ext>
+            </a:extLst>
+          </p:cNvPr>
+          <p:cNvSpPr>
+            <a:spLocks noGrp="1"/>
+          </p:cNvSpPr>
+          <p:nvPr>
+            <p:ph type="title"/>
+          </p:nvPr>
+        </p:nvSpPr>
+        <p:spPr/>
+        <p:txBody>
+          <a:bodyPr/>
+          <a:lstStyle/>
+          <a:p>
+            <a:r>
+              <a:rPr lang="es-CO" dirty="0">
+                <a:latin typeface="Calibri Light" panose="020F0302020204030204" pitchFamily="34" charset="0"/>
+              </a:rPr>
+              <a:t>Preguntas</a:t>
+            </a:r>
+          </a:p>
+        </p:txBody>
+      </p:sp>
+      <p:sp>
+        <p:nvSpPr>
+          <p:cNvPr id="3" name="Marcador de contenido 2">
+            <a:extLst>
+              <a:ext uri="{FF2B5EF4-FFF2-40B4-BE49-F238E27FC236}">
+                <a16:creationId xmlns:a16="http://schemas.microsoft.com/office/drawing/2014/main" id="{C12FFE71-8996-4C09-B4FD-B81ECBEE9716}"/>
+              </a:ext>
+            </a:extLst>
+          </p:cNvPr>
+          <p:cNvSpPr>
+            <a:spLocks noGrp="1"/>
+          </p:cNvSpPr>
+          <p:nvPr>
+            <p:ph idx="1"/>
+          </p:nvPr>
+        </p:nvSpPr>
+        <p:spPr/>
+        <p:txBody>
+          <a:bodyPr/>
+          <a:lstStyle/>
+          <a:p>
+            <a:r>
+              <a:rPr lang="es-CO" sz="2400" i="1" dirty="0">
+                <a:latin typeface="Calibri Light" panose="020F0302020204030204" pitchFamily="34" charset="0"/>
+              </a:rPr>
+              <a:t>¿El origen se puede modificar?</a:t>
+            </a:r>
+          </a:p>
+          <a:p>
+            <a:endParaRPr lang="es-CO" sz="2400" i="1" dirty="0">
+              <a:latin typeface="Calibri Light" panose="020F0302020204030204" pitchFamily="34" charset="0"/>
+            </a:endParaRPr>
+          </a:p>
+          <a:p>
+            <a:r>
+              <a:rPr lang="es-CO" sz="2400" i="1" dirty="0">
+                <a:latin typeface="Calibri Light" panose="020F0302020204030204" pitchFamily="34" charset="0"/>
+              </a:rPr>
+              <a:t>¿Si tenemos nueva información, ósea nodos, como podemos implementar esa información en el algoritmo de interpolación?</a:t>
+            </a:r>
+          </a:p>
+          <a:p>
+            <a:endParaRPr lang="es-CO" sz="2400" i="1" dirty="0">
+              <a:latin typeface="Calibri Light" panose="020F0302020204030204" pitchFamily="34" charset="0"/>
+            </a:endParaRPr>
+          </a:p>
+          <a:p>
+            <a:r>
+              <a:rPr lang="es-CO" sz="2400" i="1" dirty="0">
+                <a:latin typeface="Calibri Light" panose="020F0302020204030204" pitchFamily="34" charset="0"/>
+              </a:rPr>
+              <a:t>¿Su método es robusto, en el sentido que si se tienen mas puntos la exactitud no disminuye? </a:t>
+            </a:r>
+          </a:p>
+          <a:p>
+            <a:endParaRPr lang="es-CO" sz="2400" i="1" dirty="0">
+              <a:latin typeface="Calibri Light" panose="020F0302020204030204" pitchFamily="34" charset="0"/>
+            </a:endParaRPr>
+          </a:p>
+          <a:p>
+            <a:r>
+              <a:rPr lang="es-CO" sz="2400" i="1" dirty="0">
+                <a:latin typeface="Calibri Light" panose="020F0302020204030204" pitchFamily="34" charset="0"/>
+              </a:rPr>
+              <a:t>¿suponga tiene la información de otra mano con mas cifras significativas como se comporta su algoritmo? la exactitud decae?</a:t>
+            </a:r>
+          </a:p>
+          <a:p>
+            <a:endParaRPr lang="es-CO" dirty="0"/>
+          </a:p>
+        </p:txBody>
+      </p:sp>
+    </p:spTree>
+    <p:extLst>
+      <p:ext uri="{BB962C8B-B14F-4D97-AF65-F5344CB8AC3E}">
+        <p14:creationId xmlns:p14="http://schemas.microsoft.com/office/powerpoint/2010/main" val="3166399672"/>
       </p:ext>
     </p:extLst>
   </p:cSld>
@@ -6677,6 +7764,291 @@
           </a:fontRef>
         </p:style>
       </p:cxnSp>
+      <p:sp>
+        <p:nvSpPr>
+          <p:cNvPr id="4" name="CuadroTexto 3">
+            <a:extLst>
+              <a:ext uri="{FF2B5EF4-FFF2-40B4-BE49-F238E27FC236}">
+                <a16:creationId xmlns:a16="http://schemas.microsoft.com/office/drawing/2014/main" id="{A9AC5D34-A837-4629-9A4E-5ED0375E4ADD}"/>
+              </a:ext>
+            </a:extLst>
+          </p:cNvPr>
+          <p:cNvSpPr txBox="1"/>
+          <p:nvPr/>
+        </p:nvSpPr>
+        <p:spPr>
+          <a:xfrm>
+            <a:off x="1113638" y="5469756"/>
+            <a:ext cx="2292294" cy="276999"/>
+          </a:xfrm>
+          <a:prstGeom prst="rect">
+            <a:avLst/>
+          </a:prstGeom>
+          <a:noFill/>
+        </p:spPr>
+        <p:txBody>
+          <a:bodyPr wrap="none" lIns="0" tIns="0" rIns="0" bIns="0" rtlCol="0">
+            <a:spAutoFit/>
+          </a:bodyPr>
+          <a:lstStyle/>
+          <a:p>
+            <a:r>
+              <a:rPr lang="es-CO" i="1" dirty="0"/>
+              <a:t>| m0-m1 | &lt; tolerancia </a:t>
+            </a:r>
+          </a:p>
+        </p:txBody>
+      </p:sp>
+      <mc:AlternateContent xmlns:mc="http://schemas.openxmlformats.org/markup-compatibility/2006">
+        <mc:Choice xmlns:a14="http://schemas.microsoft.com/office/drawing/2010/main" Requires="a14">
+          <p:sp>
+            <p:nvSpPr>
+              <p:cNvPr id="5" name="CuadroTexto 4">
+                <a:extLst>
+                  <a:ext uri="{FF2B5EF4-FFF2-40B4-BE49-F238E27FC236}">
+                    <a16:creationId xmlns:a16="http://schemas.microsoft.com/office/drawing/2014/main" id="{48A2E2E1-421C-4909-BA78-B0541D7F9A9F}"/>
+                  </a:ext>
+                </a:extLst>
+              </p:cNvPr>
+              <p:cNvSpPr txBox="1"/>
+              <p:nvPr/>
+            </p:nvSpPr>
+            <p:spPr>
+              <a:xfrm>
+                <a:off x="9082093" y="5013772"/>
+                <a:ext cx="1633460" cy="276999"/>
+              </a:xfrm>
+              <a:prstGeom prst="rect">
+                <a:avLst/>
+              </a:prstGeom>
+              <a:noFill/>
+            </p:spPr>
+            <p:txBody>
+              <a:bodyPr wrap="none" lIns="0" tIns="0" rIns="0" bIns="0" rtlCol="0">
+                <a:spAutoFit/>
+              </a:bodyPr>
+              <a:lstStyle/>
+              <a:p>
+                <a14:m>
+                  <m:oMathPara xmlns:m="http://schemas.openxmlformats.org/officeDocument/2006/math">
+                    <m:oMathParaPr>
+                      <m:jc m:val="centerGroup"/>
+                    </m:oMathParaPr>
+                    <m:oMath xmlns:m="http://schemas.openxmlformats.org/officeDocument/2006/math">
+                      <m:r>
+                        <a:rPr lang="es-CO" b="0" i="1" smtClean="0">
+                          <a:latin typeface="Cambria Math" panose="02040503050406030204" pitchFamily="18" charset="0"/>
+                        </a:rPr>
+                        <m:t>𝑚</m:t>
+                      </m:r>
+                      <m:r>
+                        <a:rPr lang="es-CO" b="0" i="1" smtClean="0">
+                          <a:latin typeface="Cambria Math" panose="02040503050406030204" pitchFamily="18" charset="0"/>
+                        </a:rPr>
+                        <m:t>0&gt;</m:t>
+                      </m:r>
+                      <m:r>
+                        <a:rPr lang="es-CO" b="0" i="1" smtClean="0">
+                          <a:latin typeface="Cambria Math" panose="02040503050406030204" pitchFamily="18" charset="0"/>
+                        </a:rPr>
+                        <m:t>𝑚</m:t>
+                      </m:r>
+                      <m:r>
+                        <a:rPr lang="es-CO" b="0" i="1" smtClean="0">
+                          <a:latin typeface="Cambria Math" panose="02040503050406030204" pitchFamily="18" charset="0"/>
+                        </a:rPr>
+                        <m:t>1&gt;</m:t>
+                      </m:r>
+                      <m:r>
+                        <a:rPr lang="es-CO" b="0" i="1" smtClean="0">
+                          <a:latin typeface="Cambria Math" panose="02040503050406030204" pitchFamily="18" charset="0"/>
+                        </a:rPr>
+                        <m:t>𝑚</m:t>
+                      </m:r>
+                      <m:r>
+                        <a:rPr lang="es-CO" b="0" i="1" smtClean="0">
+                          <a:latin typeface="Cambria Math" panose="02040503050406030204" pitchFamily="18" charset="0"/>
+                        </a:rPr>
+                        <m:t>2</m:t>
+                      </m:r>
+                    </m:oMath>
+                  </m:oMathPara>
+                </a14:m>
+                <a:endParaRPr lang="es-CO" dirty="0"/>
+              </a:p>
+            </p:txBody>
+          </p:sp>
+        </mc:Choice>
+        <mc:Fallback>
+          <p:sp>
+            <p:nvSpPr>
+              <p:cNvPr id="5" name="CuadroTexto 4">
+                <a:extLst>
+                  <a:ext uri="{FF2B5EF4-FFF2-40B4-BE49-F238E27FC236}">
+                    <a16:creationId xmlns:a16="http://schemas.microsoft.com/office/drawing/2014/main" id="{48A2E2E1-421C-4909-BA78-B0541D7F9A9F}"/>
+                  </a:ext>
+                </a:extLst>
+              </p:cNvPr>
+              <p:cNvSpPr txBox="1">
+                <a:spLocks noRot="1" noChangeAspect="1" noMove="1" noResize="1" noEditPoints="1" noAdjustHandles="1" noChangeArrowheads="1" noChangeShapeType="1" noTextEdit="1"/>
+              </p:cNvSpPr>
+              <p:nvPr/>
+            </p:nvSpPr>
+            <p:spPr>
+              <a:xfrm>
+                <a:off x="9082093" y="5013772"/>
+                <a:ext cx="1633460" cy="276999"/>
+              </a:xfrm>
+              <a:prstGeom prst="rect">
+                <a:avLst/>
+              </a:prstGeom>
+              <a:blipFill>
+                <a:blip r:embed="rId2"/>
+                <a:stretch>
+                  <a:fillRect l="-2985" r="-2612" b="-8696"/>
+                </a:stretch>
+              </a:blipFill>
+            </p:spPr>
+            <p:txBody>
+              <a:bodyPr/>
+              <a:lstStyle/>
+              <a:p>
+                <a:r>
+                  <a:rPr lang="es-CO">
+                    <a:noFill/>
+                  </a:rPr>
+                  <a:t> </a:t>
+                </a:r>
+              </a:p>
+            </p:txBody>
+          </p:sp>
+        </mc:Fallback>
+      </mc:AlternateContent>
+      <mc:AlternateContent xmlns:mc="http://schemas.openxmlformats.org/markup-compatibility/2006">
+        <mc:Choice xmlns:a14="http://schemas.microsoft.com/office/drawing/2010/main" Requires="a14">
+          <p:sp>
+            <p:nvSpPr>
+              <p:cNvPr id="41" name="CuadroTexto 40">
+                <a:extLst>
+                  <a:ext uri="{FF2B5EF4-FFF2-40B4-BE49-F238E27FC236}">
+                    <a16:creationId xmlns:a16="http://schemas.microsoft.com/office/drawing/2014/main" id="{9F957518-773C-4319-B5BC-FFBA4A6108D9}"/>
+                  </a:ext>
+                </a:extLst>
+              </p:cNvPr>
+              <p:cNvSpPr txBox="1"/>
+              <p:nvPr/>
+            </p:nvSpPr>
+            <p:spPr>
+              <a:xfrm>
+                <a:off x="9085021" y="5535960"/>
+                <a:ext cx="1633460" cy="276999"/>
+              </a:xfrm>
+              <a:prstGeom prst="rect">
+                <a:avLst/>
+              </a:prstGeom>
+              <a:noFill/>
+            </p:spPr>
+            <p:txBody>
+              <a:bodyPr wrap="none" lIns="0" tIns="0" rIns="0" bIns="0" rtlCol="0">
+                <a:spAutoFit/>
+              </a:bodyPr>
+              <a:lstStyle/>
+              <a:p>
+                <a14:m>
+                  <m:oMathPara xmlns:m="http://schemas.openxmlformats.org/officeDocument/2006/math">
+                    <m:oMathParaPr>
+                      <m:jc m:val="centerGroup"/>
+                    </m:oMathParaPr>
+                    <m:oMath xmlns:m="http://schemas.openxmlformats.org/officeDocument/2006/math">
+                      <m:r>
+                        <a:rPr lang="es-CO" b="0" i="1" smtClean="0">
+                          <a:latin typeface="Cambria Math" panose="02040503050406030204" pitchFamily="18" charset="0"/>
+                        </a:rPr>
+                        <m:t>𝑚</m:t>
+                      </m:r>
+                      <m:r>
+                        <a:rPr lang="es-CO" b="0" i="1" smtClean="0">
+                          <a:latin typeface="Cambria Math" panose="02040503050406030204" pitchFamily="18" charset="0"/>
+                        </a:rPr>
+                        <m:t>0&lt;</m:t>
+                      </m:r>
+                      <m:r>
+                        <a:rPr lang="es-CO" b="0" i="1" smtClean="0">
+                          <a:latin typeface="Cambria Math" panose="02040503050406030204" pitchFamily="18" charset="0"/>
+                        </a:rPr>
+                        <m:t>𝑚</m:t>
+                      </m:r>
+                      <m:r>
+                        <a:rPr lang="es-CO" b="0" i="1" smtClean="0">
+                          <a:latin typeface="Cambria Math" panose="02040503050406030204" pitchFamily="18" charset="0"/>
+                        </a:rPr>
+                        <m:t>1&lt;</m:t>
+                      </m:r>
+                      <m:r>
+                        <a:rPr lang="es-CO" b="0" i="1" smtClean="0">
+                          <a:latin typeface="Cambria Math" panose="02040503050406030204" pitchFamily="18" charset="0"/>
+                        </a:rPr>
+                        <m:t>𝑚</m:t>
+                      </m:r>
+                      <m:r>
+                        <a:rPr lang="es-CO" b="0" i="1" smtClean="0">
+                          <a:latin typeface="Cambria Math" panose="02040503050406030204" pitchFamily="18" charset="0"/>
+                        </a:rPr>
+                        <m:t>2</m:t>
+                      </m:r>
+                    </m:oMath>
+                  </m:oMathPara>
+                </a14:m>
+                <a:endParaRPr lang="es-CO" dirty="0"/>
+              </a:p>
+            </p:txBody>
+          </p:sp>
+        </mc:Choice>
+        <mc:Fallback>
+          <p:sp>
+            <p:nvSpPr>
+              <p:cNvPr id="41" name="CuadroTexto 40">
+                <a:extLst>
+                  <a:ext uri="{FF2B5EF4-FFF2-40B4-BE49-F238E27FC236}">
+                    <a16:creationId xmlns:a16="http://schemas.microsoft.com/office/drawing/2014/main" id="{9F957518-773C-4319-B5BC-FFBA4A6108D9}"/>
+                  </a:ext>
+                </a:extLst>
+              </p:cNvPr>
+              <p:cNvSpPr txBox="1">
+                <a:spLocks noRot="1" noChangeAspect="1" noMove="1" noResize="1" noEditPoints="1" noAdjustHandles="1" noChangeArrowheads="1" noChangeShapeType="1" noTextEdit="1"/>
+              </p:cNvSpPr>
+              <p:nvPr/>
+            </p:nvSpPr>
+            <p:spPr>
+              <a:xfrm>
+                <a:off x="9085021" y="5535960"/>
+                <a:ext cx="1633460" cy="276999"/>
+              </a:xfrm>
+              <a:prstGeom prst="rect">
+                <a:avLst/>
+              </a:prstGeom>
+              <a:blipFill>
+                <a:blip r:embed="rId3"/>
+                <a:stretch>
+                  <a:fillRect l="-2612" r="-2985" b="-8696"/>
+                </a:stretch>
+              </a:blipFill>
+            </p:spPr>
+            <p:txBody>
+              <a:bodyPr/>
+              <a:lstStyle/>
+              <a:p>
+                <a:r>
+                  <a:rPr lang="es-CO">
+                    <a:noFill/>
+                  </a:rPr>
+                  <a:t> </a:t>
+                </a:r>
+              </a:p>
+            </p:txBody>
+          </p:sp>
+        </mc:Fallback>
+      </mc:AlternateContent>
     </p:spTree>
     <p:extLst>
       <p:ext uri="{BB962C8B-B14F-4D97-AF65-F5344CB8AC3E}">
